--- a/Public/effective-drawings.pptx
+++ b/Public/effective-drawings.pptx
@@ -5,9 +5,8 @@
     <p:sldMasterId id="2147483648" r:id="rId1"/>
   </p:sldMasterIdLst>
   <p:sldIdLst>
-    <p:sldId id="256" r:id="rId2"/>
-    <p:sldId id="257" r:id="rId3"/>
-    <p:sldId id="258" r:id="rId4"/>
+    <p:sldId id="257" r:id="rId2"/>
+    <p:sldId id="258" r:id="rId3"/>
   </p:sldIdLst>
   <p:sldSz cx="12192000" cy="6858000"/>
   <p:notesSz cx="6858000" cy="9144000"/>
@@ -106,6 +105,11 @@
       </a:defRPr>
     </a:lvl9pPr>
   </p:defaultTextStyle>
+  <p:extLst>
+    <p:ext uri="{EFAFB233-063F-42B5-8137-9DF3F51BA10A}">
+      <p15:sldGuideLst xmlns:p15="http://schemas.microsoft.com/office/powerpoint/2012/main"/>
+    </p:ext>
+  </p:extLst>
 </p:presentation>
 </file>
 
@@ -256,7 +260,7 @@
           <a:p>
             <a:fld id="{E72E2C42-E3E4-1B47-A68E-E2A9BA23F3D8}" type="datetimeFigureOut">
               <a:rPr lang="en-US" smtClean="0"/>
-              <a:t>2/28/18</a:t>
+              <a:t>2/4/19</a:t>
             </a:fld>
             <a:endParaRPr lang="en-US"/>
           </a:p>
@@ -454,7 +458,7 @@
           <a:p>
             <a:fld id="{E72E2C42-E3E4-1B47-A68E-E2A9BA23F3D8}" type="datetimeFigureOut">
               <a:rPr lang="en-US" smtClean="0"/>
-              <a:t>2/28/18</a:t>
+              <a:t>2/4/19</a:t>
             </a:fld>
             <a:endParaRPr lang="en-US"/>
           </a:p>
@@ -662,7 +666,7 @@
           <a:p>
             <a:fld id="{E72E2C42-E3E4-1B47-A68E-E2A9BA23F3D8}" type="datetimeFigureOut">
               <a:rPr lang="en-US" smtClean="0"/>
-              <a:t>2/28/18</a:t>
+              <a:t>2/4/19</a:t>
             </a:fld>
             <a:endParaRPr lang="en-US"/>
           </a:p>
@@ -860,7 +864,7 @@
           <a:p>
             <a:fld id="{E72E2C42-E3E4-1B47-A68E-E2A9BA23F3D8}" type="datetimeFigureOut">
               <a:rPr lang="en-US" smtClean="0"/>
-              <a:t>2/28/18</a:t>
+              <a:t>2/4/19</a:t>
             </a:fld>
             <a:endParaRPr lang="en-US"/>
           </a:p>
@@ -1135,7 +1139,7 @@
           <a:p>
             <a:fld id="{E72E2C42-E3E4-1B47-A68E-E2A9BA23F3D8}" type="datetimeFigureOut">
               <a:rPr lang="en-US" smtClean="0"/>
-              <a:t>2/28/18</a:t>
+              <a:t>2/4/19</a:t>
             </a:fld>
             <a:endParaRPr lang="en-US"/>
           </a:p>
@@ -1400,7 +1404,7 @@
           <a:p>
             <a:fld id="{E72E2C42-E3E4-1B47-A68E-E2A9BA23F3D8}" type="datetimeFigureOut">
               <a:rPr lang="en-US" smtClean="0"/>
-              <a:t>2/28/18</a:t>
+              <a:t>2/4/19</a:t>
             </a:fld>
             <a:endParaRPr lang="en-US"/>
           </a:p>
@@ -1812,7 +1816,7 @@
           <a:p>
             <a:fld id="{E72E2C42-E3E4-1B47-A68E-E2A9BA23F3D8}" type="datetimeFigureOut">
               <a:rPr lang="en-US" smtClean="0"/>
-              <a:t>2/28/18</a:t>
+              <a:t>2/4/19</a:t>
             </a:fld>
             <a:endParaRPr lang="en-US"/>
           </a:p>
@@ -1953,7 +1957,7 @@
           <a:p>
             <a:fld id="{E72E2C42-E3E4-1B47-A68E-E2A9BA23F3D8}" type="datetimeFigureOut">
               <a:rPr lang="en-US" smtClean="0"/>
-              <a:t>2/28/18</a:t>
+              <a:t>2/4/19</a:t>
             </a:fld>
             <a:endParaRPr lang="en-US"/>
           </a:p>
@@ -2066,7 +2070,7 @@
           <a:p>
             <a:fld id="{E72E2C42-E3E4-1B47-A68E-E2A9BA23F3D8}" type="datetimeFigureOut">
               <a:rPr lang="en-US" smtClean="0"/>
-              <a:t>2/28/18</a:t>
+              <a:t>2/4/19</a:t>
             </a:fld>
             <a:endParaRPr lang="en-US"/>
           </a:p>
@@ -2377,7 +2381,7 @@
           <a:p>
             <a:fld id="{E72E2C42-E3E4-1B47-A68E-E2A9BA23F3D8}" type="datetimeFigureOut">
               <a:rPr lang="en-US" smtClean="0"/>
-              <a:t>2/28/18</a:t>
+              <a:t>2/4/19</a:t>
             </a:fld>
             <a:endParaRPr lang="en-US"/>
           </a:p>
@@ -2665,7 +2669,7 @@
           <a:p>
             <a:fld id="{E72E2C42-E3E4-1B47-A68E-E2A9BA23F3D8}" type="datetimeFigureOut">
               <a:rPr lang="en-US" smtClean="0"/>
-              <a:t>2/28/18</a:t>
+              <a:t>2/4/19</a:t>
             </a:fld>
             <a:endParaRPr lang="en-US"/>
           </a:p>
@@ -2906,7 +2910,7 @@
           <a:p>
             <a:fld id="{E72E2C42-E3E4-1B47-A68E-E2A9BA23F3D8}" type="datetimeFigureOut">
               <a:rPr lang="en-US" smtClean="0"/>
-              <a:t>2/28/18</a:t>
+              <a:t>2/4/19</a:t>
             </a:fld>
             <a:endParaRPr lang="en-US"/>
           </a:p>
@@ -3325,86 +3329,6 @@
       </p:grpSpPr>
       <p:sp>
         <p:nvSpPr>
-          <p:cNvPr id="2" name="Title 1">
-            <a:extLst>
-              <a:ext uri="{FF2B5EF4-FFF2-40B4-BE49-F238E27FC236}">
-                <a16:creationId xmlns:a16="http://schemas.microsoft.com/office/drawing/2014/main" id="{A556D7C2-4CF5-FC4A-997D-4EB507EA5483}"/>
-              </a:ext>
-            </a:extLst>
-          </p:cNvPr>
-          <p:cNvSpPr>
-            <a:spLocks noGrp="1"/>
-          </p:cNvSpPr>
-          <p:nvPr>
-            <p:ph type="ctrTitle"/>
-          </p:nvPr>
-        </p:nvSpPr>
-        <p:spPr/>
-        <p:txBody>
-          <a:bodyPr/>
-          <a:lstStyle/>
-          <a:p>
-            <a:endParaRPr lang="en-US"/>
-          </a:p>
-        </p:txBody>
-      </p:sp>
-      <p:sp>
-        <p:nvSpPr>
-          <p:cNvPr id="3" name="Subtitle 2">
-            <a:extLst>
-              <a:ext uri="{FF2B5EF4-FFF2-40B4-BE49-F238E27FC236}">
-                <a16:creationId xmlns:a16="http://schemas.microsoft.com/office/drawing/2014/main" id="{DB725A9A-4E70-7641-B699-CD441618E091}"/>
-              </a:ext>
-            </a:extLst>
-          </p:cNvPr>
-          <p:cNvSpPr>
-            <a:spLocks noGrp="1"/>
-          </p:cNvSpPr>
-          <p:nvPr>
-            <p:ph type="subTitle" idx="1"/>
-          </p:nvPr>
-        </p:nvSpPr>
-        <p:spPr/>
-        <p:txBody>
-          <a:bodyPr/>
-          <a:lstStyle/>
-          <a:p>
-            <a:endParaRPr lang="en-US"/>
-          </a:p>
-        </p:txBody>
-      </p:sp>
-    </p:spTree>
-    <p:extLst>
-      <p:ext uri="{BB962C8B-B14F-4D97-AF65-F5344CB8AC3E}">
-        <p14:creationId xmlns:p14="http://schemas.microsoft.com/office/powerpoint/2010/main" val="653533830"/>
-      </p:ext>
-    </p:extLst>
-  </p:cSld>
-  <p:clrMapOvr>
-    <a:masterClrMapping/>
-  </p:clrMapOvr>
-</p:sld>
-</file>
-
-<file path=ppt/slides/slide2.xml><?xml version="1.0" encoding="utf-8"?>
-<p:sld xmlns:a="http://schemas.openxmlformats.org/drawingml/2006/main" xmlns:r="http://schemas.openxmlformats.org/officeDocument/2006/relationships" xmlns:p="http://schemas.openxmlformats.org/presentationml/2006/main">
-  <p:cSld>
-    <p:spTree>
-      <p:nvGrpSpPr>
-        <p:cNvPr id="1" name=""/>
-        <p:cNvGrpSpPr/>
-        <p:nvPr/>
-      </p:nvGrpSpPr>
-      <p:grpSpPr>
-        <a:xfrm>
-          <a:off x="0" y="0"/>
-          <a:ext cx="0" cy="0"/>
-          <a:chOff x="0" y="0"/>
-          <a:chExt cx="0" cy="0"/>
-        </a:xfrm>
-      </p:grpSpPr>
-      <p:sp>
-        <p:nvSpPr>
           <p:cNvPr id="8" name="Freeform 7">
             <a:extLst>
               <a:ext uri="{FF2B5EF4-FFF2-40B4-BE49-F238E27FC236}">
@@ -3749,7 +3673,7 @@
 </p:sld>
 </file>
 
-<file path=ppt/slides/slide3.xml><?xml version="1.0" encoding="utf-8"?>
+<file path=ppt/slides/slide2.xml><?xml version="1.0" encoding="utf-8"?>
 <p:sld xmlns:a="http://schemas.openxmlformats.org/drawingml/2006/main" xmlns:r="http://schemas.openxmlformats.org/officeDocument/2006/relationships" xmlns:p="http://schemas.openxmlformats.org/presentationml/2006/main">
   <p:cSld>
     <p:spTree>
